--- a/template.pptx
+++ b/template.pptx
@@ -3443,157 +3443,6 @@
           </a:prstGeom>
         </p:spPr>
       </p:pic>
-      <p:sp>
-        <p:nvSpPr>
-          <p:cNvPr id="6" name="TextBox 5"/>
-          <p:cNvSpPr txBox="1"/>
-          <p:nvPr/>
-        </p:nvSpPr>
-        <p:spPr>
-          <a:xfrm>
-            <a:off x="127934" y="1484784"/>
-            <a:ext cx="8892000" cy="3938400"/>
-          </a:xfrm>
-          <a:prstGeom prst="rect">
-            <a:avLst/>
-          </a:prstGeom>
-          <a:noFill/>
-        </p:spPr>
-        <p:txBody>
-          <a:bodyPr wrap="square" rtlCol="0">
-            <a:spAutoFit/>
-          </a:bodyPr>
-          <a:lstStyle/>
-          <a:p>
-            <a:pPr algn="ctr">
-              <a:lnSpc>
-                <a:spcPts val="7500"/>
-              </a:lnSpc>
-            </a:pPr>
-            <a:r>
-              <a:rPr lang="en-US" altLang="zh-CN" sz="5600" dirty="0" smtClean="0">
-                <a:solidFill>
-                  <a:srgbClr val="FFC000"/>
-                </a:solidFill>
-                <a:latin typeface="微软雅黑" panose="020B0503020204020204" pitchFamily="34" charset="-122"/>
-                <a:ea typeface="微软雅黑" panose="020B0503020204020204" pitchFamily="34" charset="-122"/>
-              </a:rPr>
-              <a:t>Test</a:t>
-            </a:r>
-          </a:p>
-          <a:p>
-            <a:pPr algn="ctr">
-              <a:lnSpc>
-                <a:spcPts val="7500"/>
-              </a:lnSpc>
-            </a:pPr>
-            <a:r>
-              <a:rPr lang="en-US" altLang="zh-CN" sz="5600" dirty="0" smtClean="0">
-                <a:solidFill>
-                  <a:srgbClr val="FFC000"/>
-                </a:solidFill>
-                <a:latin typeface="微软雅黑" panose="020B0503020204020204" pitchFamily="34" charset="-122"/>
-                <a:ea typeface="微软雅黑" panose="020B0503020204020204" pitchFamily="34" charset="-122"/>
-              </a:rPr>
-              <a:t>Test</a:t>
-            </a:r>
-          </a:p>
-          <a:p>
-            <a:pPr algn="ctr">
-              <a:lnSpc>
-                <a:spcPts val="7500"/>
-              </a:lnSpc>
-            </a:pPr>
-            <a:r>
-              <a:rPr lang="en-US" altLang="zh-CN" sz="5600" dirty="0" smtClean="0">
-                <a:solidFill>
-                  <a:srgbClr val="FFC000"/>
-                </a:solidFill>
-                <a:latin typeface="微软雅黑" panose="020B0503020204020204" pitchFamily="34" charset="-122"/>
-                <a:ea typeface="微软雅黑" panose="020B0503020204020204" pitchFamily="34" charset="-122"/>
-              </a:rPr>
-              <a:t>Test</a:t>
-            </a:r>
-          </a:p>
-          <a:p>
-            <a:pPr algn="ctr">
-              <a:lnSpc>
-                <a:spcPts val="7500"/>
-              </a:lnSpc>
-            </a:pPr>
-            <a:r>
-              <a:rPr lang="en-US" altLang="zh-CN" sz="5600" dirty="0">
-                <a:solidFill>
-                  <a:srgbClr val="FFC000"/>
-                </a:solidFill>
-                <a:latin typeface="微软雅黑" panose="020B0503020204020204" pitchFamily="34" charset="-122"/>
-                <a:ea typeface="微软雅黑" panose="020B0503020204020204" pitchFamily="34" charset="-122"/>
-              </a:rPr>
-              <a:t>T</a:t>
-            </a:r>
-            <a:r>
-              <a:rPr lang="en-US" altLang="zh-CN" sz="5600" dirty="0" smtClean="0">
-                <a:solidFill>
-                  <a:srgbClr val="FFC000"/>
-                </a:solidFill>
-                <a:latin typeface="微软雅黑" panose="020B0503020204020204" pitchFamily="34" charset="-122"/>
-                <a:ea typeface="微软雅黑" panose="020B0503020204020204" pitchFamily="34" charset="-122"/>
-              </a:rPr>
-              <a:t>est</a:t>
-            </a:r>
-            <a:endParaRPr lang="zh-CN" altLang="en-US" sz="5600" dirty="0">
-              <a:solidFill>
-                <a:srgbClr val="FFC000"/>
-              </a:solidFill>
-              <a:latin typeface="微软雅黑" panose="020B0503020204020204" pitchFamily="34" charset="-122"/>
-              <a:ea typeface="微软雅黑" panose="020B0503020204020204" pitchFamily="34" charset="-122"/>
-            </a:endParaRPr>
-          </a:p>
-        </p:txBody>
-      </p:sp>
-      <p:sp>
-        <p:nvSpPr>
-          <p:cNvPr id="8" name="TextBox 7"/>
-          <p:cNvSpPr txBox="1"/>
-          <p:nvPr/>
-        </p:nvSpPr>
-        <p:spPr>
-          <a:xfrm>
-            <a:off x="0" y="6488668"/>
-            <a:ext cx="9053657" cy="369332"/>
-          </a:xfrm>
-          <a:prstGeom prst="rect">
-            <a:avLst/>
-          </a:prstGeom>
-          <a:noFill/>
-        </p:spPr>
-        <p:txBody>
-          <a:bodyPr wrap="square" rtlCol="0">
-            <a:spAutoFit/>
-          </a:bodyPr>
-          <a:lstStyle/>
-          <a:p>
-            <a:pPr lvl="0" algn="r"/>
-            <a:r>
-              <a:rPr lang="en-US" altLang="zh-CN" b="1" dirty="0" err="1" smtClean="0">
-                <a:solidFill>
-                  <a:srgbClr val="FFC000"/>
-                </a:solidFill>
-                <a:latin typeface="微软雅黑" panose="020B0503020204020204" pitchFamily="34" charset="-122"/>
-                <a:ea typeface="微软雅黑" panose="020B0503020204020204" pitchFamily="34" charset="-122"/>
-              </a:rPr>
-              <a:t>testtestsetstst</a:t>
-            </a:r>
-            <a:endParaRPr lang="zh-CN" altLang="en-US" b="1" dirty="0">
-              <a:solidFill>
-                <a:srgbClr val="FFC000"/>
-              </a:solidFill>
-              <a:latin typeface="微软雅黑" panose="020B0503020204020204" pitchFamily="34" charset="-122"/>
-              <a:ea typeface="微软雅黑" panose="020B0503020204020204" pitchFamily="34" charset="-122"/>
-            </a:endParaRPr>
-          </a:p>
-        </p:txBody>
-      </p:sp>
     </p:spTree>
     <p:extLst>
       <p:ext uri="{BB962C8B-B14F-4D97-AF65-F5344CB8AC3E}">
